--- a/Data/DataNotes.pptx
+++ b/Data/DataNotes.pptx
@@ -8,6 +8,8 @@
     <p:sldId id="256" r:id="rId2"/>
     <p:sldId id="257" r:id="rId3"/>
     <p:sldId id="258" r:id="rId4"/>
+    <p:sldId id="259" r:id="rId5"/>
+    <p:sldId id="260" r:id="rId6"/>
   </p:sldIdLst>
   <p:sldSz cx="12192000" cy="6858000"/>
   <p:notesSz cx="6858000" cy="9144000"/>
@@ -113,8 +115,8 @@
 <pc:chgInfo xmlns:a="http://schemas.openxmlformats.org/drawingml/2006/main" xmlns:r="http://schemas.openxmlformats.org/officeDocument/2006/relationships" xmlns:ac="http://schemas.microsoft.com/office/drawing/2013/main/command" xmlns:pc="http://schemas.microsoft.com/office/powerpoint/2013/main/command">
   <pc:docChgLst>
     <pc:chgData name="JOSEPH LEE" userId="a44f2c12-3c6b-4dcf-9734-cf21ba793b98" providerId="ADAL" clId="{EA46388E-06E0-461B-AC3B-0A927C07D937}"/>
-    <pc:docChg chg="custSel modSld">
-      <pc:chgData name="JOSEPH LEE" userId="a44f2c12-3c6b-4dcf-9734-cf21ba793b98" providerId="ADAL" clId="{EA46388E-06E0-461B-AC3B-0A927C07D937}" dt="2020-12-30T09:50:52.918" v="5" actId="478"/>
+    <pc:docChg chg="custSel addSld modSld">
+      <pc:chgData name="JOSEPH LEE" userId="a44f2c12-3c6b-4dcf-9734-cf21ba793b98" providerId="ADAL" clId="{EA46388E-06E0-461B-AC3B-0A927C07D937}" dt="2020-12-30T21:51:04.378" v="11" actId="22"/>
       <pc:docMkLst>
         <pc:docMk/>
       </pc:docMkLst>
@@ -172,6 +174,52 @@
             <ac:cxnSpMk id="11" creationId="{A585F349-7EFE-44FC-A176-1B91C855B597}"/>
           </ac:cxnSpMkLst>
         </pc:cxnChg>
+      </pc:sldChg>
+      <pc:sldChg chg="addSp delSp add mod">
+        <pc:chgData name="JOSEPH LEE" userId="a44f2c12-3c6b-4dcf-9734-cf21ba793b98" providerId="ADAL" clId="{EA46388E-06E0-461B-AC3B-0A927C07D937}" dt="2020-12-30T21:49:27.664" v="8" actId="22"/>
+        <pc:sldMkLst>
+          <pc:docMk/>
+          <pc:sldMk cId="1442594842" sldId="259"/>
+        </pc:sldMkLst>
+        <pc:picChg chg="del">
+          <ac:chgData name="JOSEPH LEE" userId="a44f2c12-3c6b-4dcf-9734-cf21ba793b98" providerId="ADAL" clId="{EA46388E-06E0-461B-AC3B-0A927C07D937}" dt="2020-12-30T21:49:23.884" v="7" actId="478"/>
+          <ac:picMkLst>
+            <pc:docMk/>
+            <pc:sldMk cId="1442594842" sldId="259"/>
+            <ac:picMk id="3" creationId="{C2B0C110-5798-40D5-8DF7-B4504FD6D7B8}"/>
+          </ac:picMkLst>
+        </pc:picChg>
+        <pc:picChg chg="add">
+          <ac:chgData name="JOSEPH LEE" userId="a44f2c12-3c6b-4dcf-9734-cf21ba793b98" providerId="ADAL" clId="{EA46388E-06E0-461B-AC3B-0A927C07D937}" dt="2020-12-30T21:49:27.664" v="8" actId="22"/>
+          <ac:picMkLst>
+            <pc:docMk/>
+            <pc:sldMk cId="1442594842" sldId="259"/>
+            <ac:picMk id="4" creationId="{87D8F82C-D503-4354-87EC-E23C9BBCB39D}"/>
+          </ac:picMkLst>
+        </pc:picChg>
+      </pc:sldChg>
+      <pc:sldChg chg="addSp delSp add mod">
+        <pc:chgData name="JOSEPH LEE" userId="a44f2c12-3c6b-4dcf-9734-cf21ba793b98" providerId="ADAL" clId="{EA46388E-06E0-461B-AC3B-0A927C07D937}" dt="2020-12-30T21:51:04.378" v="11" actId="22"/>
+        <pc:sldMkLst>
+          <pc:docMk/>
+          <pc:sldMk cId="2623758735" sldId="260"/>
+        </pc:sldMkLst>
+        <pc:picChg chg="add">
+          <ac:chgData name="JOSEPH LEE" userId="a44f2c12-3c6b-4dcf-9734-cf21ba793b98" providerId="ADAL" clId="{EA46388E-06E0-461B-AC3B-0A927C07D937}" dt="2020-12-30T21:51:04.378" v="11" actId="22"/>
+          <ac:picMkLst>
+            <pc:docMk/>
+            <pc:sldMk cId="2623758735" sldId="260"/>
+            <ac:picMk id="3" creationId="{7FBA4EE5-5ADD-4A75-82EC-0423EDA0B5A3}"/>
+          </ac:picMkLst>
+        </pc:picChg>
+        <pc:picChg chg="del">
+          <ac:chgData name="JOSEPH LEE" userId="a44f2c12-3c6b-4dcf-9734-cf21ba793b98" providerId="ADAL" clId="{EA46388E-06E0-461B-AC3B-0A927C07D937}" dt="2020-12-30T21:51:03.833" v="10" actId="478"/>
+          <ac:picMkLst>
+            <pc:docMk/>
+            <pc:sldMk cId="2623758735" sldId="260"/>
+            <ac:picMk id="4" creationId="{87D8F82C-D503-4354-87EC-E23C9BBCB39D}"/>
+          </ac:picMkLst>
+        </pc:picChg>
       </pc:sldChg>
     </pc:docChg>
   </pc:docChgLst>
@@ -3628,6 +3676,126 @@
 </p:sld>
 </file>
 
+<file path=ppt/slides/slide4.xml><?xml version="1.0" encoding="utf-8"?>
+<p:sld xmlns:a="http://schemas.openxmlformats.org/drawingml/2006/main" xmlns:r="http://schemas.openxmlformats.org/officeDocument/2006/relationships" xmlns:p="http://schemas.openxmlformats.org/presentationml/2006/main">
+  <p:cSld>
+    <p:spTree>
+      <p:nvGrpSpPr>
+        <p:cNvPr id="1" name=""/>
+        <p:cNvGrpSpPr/>
+        <p:nvPr/>
+      </p:nvGrpSpPr>
+      <p:grpSpPr>
+        <a:xfrm>
+          <a:off x="0" y="0"/>
+          <a:ext cx="0" cy="0"/>
+          <a:chOff x="0" y="0"/>
+          <a:chExt cx="0" cy="0"/>
+        </a:xfrm>
+      </p:grpSpPr>
+      <p:pic>
+        <p:nvPicPr>
+          <p:cNvPr id="4" name="Picture 3">
+            <a:extLst>
+              <a:ext uri="{FF2B5EF4-FFF2-40B4-BE49-F238E27FC236}">
+                <a16:creationId xmlns:a16="http://schemas.microsoft.com/office/drawing/2014/main" id="{87D8F82C-D503-4354-87EC-E23C9BBCB39D}"/>
+              </a:ext>
+            </a:extLst>
+          </p:cNvPr>
+          <p:cNvPicPr>
+            <a:picLocks noChangeAspect="1"/>
+          </p:cNvPicPr>
+          <p:nvPr/>
+        </p:nvPicPr>
+        <p:blipFill>
+          <a:blip r:embed="rId2"/>
+          <a:stretch>
+            <a:fillRect/>
+          </a:stretch>
+        </p:blipFill>
+        <p:spPr>
+          <a:xfrm>
+            <a:off x="3871912" y="2224087"/>
+            <a:ext cx="4448175" cy="2409825"/>
+          </a:xfrm>
+          <a:prstGeom prst="rect">
+            <a:avLst/>
+          </a:prstGeom>
+        </p:spPr>
+      </p:pic>
+    </p:spTree>
+    <p:extLst>
+      <p:ext uri="{BB962C8B-B14F-4D97-AF65-F5344CB8AC3E}">
+        <p14:creationId xmlns:p14="http://schemas.microsoft.com/office/powerpoint/2010/main" val="1442594842"/>
+      </p:ext>
+    </p:extLst>
+  </p:cSld>
+  <p:clrMapOvr>
+    <a:masterClrMapping/>
+  </p:clrMapOvr>
+</p:sld>
+</file>
+
+<file path=ppt/slides/slide5.xml><?xml version="1.0" encoding="utf-8"?>
+<p:sld xmlns:a="http://schemas.openxmlformats.org/drawingml/2006/main" xmlns:r="http://schemas.openxmlformats.org/officeDocument/2006/relationships" xmlns:p="http://schemas.openxmlformats.org/presentationml/2006/main">
+  <p:cSld>
+    <p:spTree>
+      <p:nvGrpSpPr>
+        <p:cNvPr id="1" name=""/>
+        <p:cNvGrpSpPr/>
+        <p:nvPr/>
+      </p:nvGrpSpPr>
+      <p:grpSpPr>
+        <a:xfrm>
+          <a:off x="0" y="0"/>
+          <a:ext cx="0" cy="0"/>
+          <a:chOff x="0" y="0"/>
+          <a:chExt cx="0" cy="0"/>
+        </a:xfrm>
+      </p:grpSpPr>
+      <p:pic>
+        <p:nvPicPr>
+          <p:cNvPr id="3" name="Picture 2">
+            <a:extLst>
+              <a:ext uri="{FF2B5EF4-FFF2-40B4-BE49-F238E27FC236}">
+                <a16:creationId xmlns:a16="http://schemas.microsoft.com/office/drawing/2014/main" id="{7FBA4EE5-5ADD-4A75-82EC-0423EDA0B5A3}"/>
+              </a:ext>
+            </a:extLst>
+          </p:cNvPr>
+          <p:cNvPicPr>
+            <a:picLocks noChangeAspect="1"/>
+          </p:cNvPicPr>
+          <p:nvPr/>
+        </p:nvPicPr>
+        <p:blipFill>
+          <a:blip r:embed="rId2"/>
+          <a:stretch>
+            <a:fillRect/>
+          </a:stretch>
+        </p:blipFill>
+        <p:spPr>
+          <a:xfrm>
+            <a:off x="3871912" y="2233612"/>
+            <a:ext cx="4448175" cy="2390775"/>
+          </a:xfrm>
+          <a:prstGeom prst="rect">
+            <a:avLst/>
+          </a:prstGeom>
+        </p:spPr>
+      </p:pic>
+    </p:spTree>
+    <p:extLst>
+      <p:ext uri="{BB962C8B-B14F-4D97-AF65-F5344CB8AC3E}">
+        <p14:creationId xmlns:p14="http://schemas.microsoft.com/office/powerpoint/2010/main" val="2623758735"/>
+      </p:ext>
+    </p:extLst>
+  </p:cSld>
+  <p:clrMapOvr>
+    <a:masterClrMapping/>
+  </p:clrMapOvr>
+</p:sld>
+</file>
+
 <file path=ppt/theme/theme1.xml><?xml version="1.0" encoding="utf-8"?>
 <a:theme xmlns:a="http://schemas.openxmlformats.org/drawingml/2006/main" name="Office Theme">
   <a:themeElements>

--- a/Data/DataNotes.pptx
+++ b/Data/DataNotes.pptx
@@ -6,10 +6,12 @@
   </p:sldMasterIdLst>
   <p:sldIdLst>
     <p:sldId id="256" r:id="rId2"/>
-    <p:sldId id="257" r:id="rId3"/>
-    <p:sldId id="258" r:id="rId4"/>
-    <p:sldId id="259" r:id="rId5"/>
-    <p:sldId id="260" r:id="rId6"/>
+    <p:sldId id="262" r:id="rId3"/>
+    <p:sldId id="257" r:id="rId4"/>
+    <p:sldId id="258" r:id="rId5"/>
+    <p:sldId id="259" r:id="rId6"/>
+    <p:sldId id="260" r:id="rId7"/>
+    <p:sldId id="261" r:id="rId8"/>
   </p:sldIdLst>
   <p:sldSz cx="12192000" cy="6858000"/>
   <p:notesSz cx="6858000" cy="9144000"/>
@@ -111,15 +113,38 @@
 </p:presentation>
 </file>
 
+<file path=ppt/revisionInfo.xml><?xml version="1.0" encoding="utf-8"?>
+<p1510:revInfo xmlns:a="http://schemas.openxmlformats.org/drawingml/2006/main" xmlns:r="http://schemas.openxmlformats.org/officeDocument/2006/relationships" xmlns:p1510="http://schemas.microsoft.com/office/powerpoint/2015/10/main">
+  <p1510:revLst>
+    <p1510:client id="{EA46388E-06E0-461B-AC3B-0A927C07D937}" v="6" dt="2021-01-02T13:51:37.794"/>
+  </p1510:revLst>
+</p1510:revInfo>
+</file>
+
 <file path=ppt/changesInfos/changesInfo1.xml><?xml version="1.0" encoding="utf-8"?>
 <pc:chgInfo xmlns:a="http://schemas.openxmlformats.org/drawingml/2006/main" xmlns:r="http://schemas.openxmlformats.org/officeDocument/2006/relationships" xmlns:ac="http://schemas.microsoft.com/office/drawing/2013/main/command" xmlns:pc="http://schemas.microsoft.com/office/powerpoint/2013/main/command">
   <pc:docChgLst>
     <pc:chgData name="JOSEPH LEE" userId="a44f2c12-3c6b-4dcf-9734-cf21ba793b98" providerId="ADAL" clId="{EA46388E-06E0-461B-AC3B-0A927C07D937}"/>
     <pc:docChg chg="custSel addSld modSld">
-      <pc:chgData name="JOSEPH LEE" userId="a44f2c12-3c6b-4dcf-9734-cf21ba793b98" providerId="ADAL" clId="{EA46388E-06E0-461B-AC3B-0A927C07D937}" dt="2020-12-30T21:51:04.378" v="11" actId="22"/>
+      <pc:chgData name="JOSEPH LEE" userId="a44f2c12-3c6b-4dcf-9734-cf21ba793b98" providerId="ADAL" clId="{EA46388E-06E0-461B-AC3B-0A927C07D937}" dt="2021-01-02T16:10:08.880" v="74" actId="478"/>
       <pc:docMkLst>
         <pc:docMk/>
       </pc:docMkLst>
+      <pc:sldChg chg="delSp mod">
+        <pc:chgData name="JOSEPH LEE" userId="a44f2c12-3c6b-4dcf-9734-cf21ba793b98" providerId="ADAL" clId="{EA46388E-06E0-461B-AC3B-0A927C07D937}" dt="2021-01-02T16:10:08.880" v="74" actId="478"/>
+        <pc:sldMkLst>
+          <pc:docMk/>
+          <pc:sldMk cId="1576029828" sldId="256"/>
+        </pc:sldMkLst>
+        <pc:spChg chg="del">
+          <ac:chgData name="JOSEPH LEE" userId="a44f2c12-3c6b-4dcf-9734-cf21ba793b98" providerId="ADAL" clId="{EA46388E-06E0-461B-AC3B-0A927C07D937}" dt="2021-01-02T16:10:08.880" v="74" actId="478"/>
+          <ac:spMkLst>
+            <pc:docMk/>
+            <pc:sldMk cId="1576029828" sldId="256"/>
+            <ac:spMk id="6" creationId="{748D6087-BA74-46A1-98A4-A67C0D6E66DC}"/>
+          </ac:spMkLst>
+        </pc:spChg>
+      </pc:sldChg>
       <pc:sldChg chg="delSp mod">
         <pc:chgData name="JOSEPH LEE" userId="a44f2c12-3c6b-4dcf-9734-cf21ba793b98" providerId="ADAL" clId="{EA46388E-06E0-461B-AC3B-0A927C07D937}" dt="2020-12-30T09:50:52.918" v="5" actId="478"/>
         <pc:sldMkLst>
@@ -220,6 +245,92 @@
             <ac:picMk id="4" creationId="{87D8F82C-D503-4354-87EC-E23C9BBCB39D}"/>
           </ac:picMkLst>
         </pc:picChg>
+      </pc:sldChg>
+      <pc:sldChg chg="addSp delSp modSp add mod">
+        <pc:chgData name="JOSEPH LEE" userId="a44f2c12-3c6b-4dcf-9734-cf21ba793b98" providerId="ADAL" clId="{EA46388E-06E0-461B-AC3B-0A927C07D937}" dt="2021-01-02T14:08:01.798" v="72" actId="1076"/>
+        <pc:sldMkLst>
+          <pc:docMk/>
+          <pc:sldMk cId="1465455981" sldId="261"/>
+        </pc:sldMkLst>
+        <pc:spChg chg="add mod">
+          <ac:chgData name="JOSEPH LEE" userId="a44f2c12-3c6b-4dcf-9734-cf21ba793b98" providerId="ADAL" clId="{EA46388E-06E0-461B-AC3B-0A927C07D937}" dt="2021-01-02T14:08:01.798" v="72" actId="1076"/>
+          <ac:spMkLst>
+            <pc:docMk/>
+            <pc:sldMk cId="1465455981" sldId="261"/>
+            <ac:spMk id="9" creationId="{2EB3F2DD-A301-48F6-9466-B8504A9CC268}"/>
+          </ac:spMkLst>
+        </pc:spChg>
+        <pc:spChg chg="add mod">
+          <ac:chgData name="JOSEPH LEE" userId="a44f2c12-3c6b-4dcf-9734-cf21ba793b98" providerId="ADAL" clId="{EA46388E-06E0-461B-AC3B-0A927C07D937}" dt="2021-01-02T14:07:58.370" v="71" actId="1076"/>
+          <ac:spMkLst>
+            <pc:docMk/>
+            <pc:sldMk cId="1465455981" sldId="261"/>
+            <ac:spMk id="10" creationId="{BCFAC3C5-C903-41B6-B166-EEF0EC57A96F}"/>
+          </ac:spMkLst>
+        </pc:spChg>
+        <pc:graphicFrameChg chg="add del mod">
+          <ac:chgData name="JOSEPH LEE" userId="a44f2c12-3c6b-4dcf-9734-cf21ba793b98" providerId="ADAL" clId="{EA46388E-06E0-461B-AC3B-0A927C07D937}" dt="2021-01-02T13:48:14.109" v="21" actId="478"/>
+          <ac:graphicFrameMkLst>
+            <pc:docMk/>
+            <pc:sldMk cId="1465455981" sldId="261"/>
+            <ac:graphicFrameMk id="4" creationId="{794738DF-9DEC-4D78-9ECA-E9B59D0579C5}"/>
+          </ac:graphicFrameMkLst>
+        </pc:graphicFrameChg>
+        <pc:graphicFrameChg chg="add del mod">
+          <ac:chgData name="JOSEPH LEE" userId="a44f2c12-3c6b-4dcf-9734-cf21ba793b98" providerId="ADAL" clId="{EA46388E-06E0-461B-AC3B-0A927C07D937}" dt="2021-01-02T13:48:15.618" v="22" actId="478"/>
+          <ac:graphicFrameMkLst>
+            <pc:docMk/>
+            <pc:sldMk cId="1465455981" sldId="261"/>
+            <ac:graphicFrameMk id="5" creationId="{B41811D2-D957-4742-9A34-CC81336F2A65}"/>
+          </ac:graphicFrameMkLst>
+        </pc:graphicFrameChg>
+        <pc:picChg chg="del">
+          <ac:chgData name="JOSEPH LEE" userId="a44f2c12-3c6b-4dcf-9734-cf21ba793b98" providerId="ADAL" clId="{EA46388E-06E0-461B-AC3B-0A927C07D937}" dt="2021-01-02T13:28:46.168" v="13" actId="478"/>
+          <ac:picMkLst>
+            <pc:docMk/>
+            <pc:sldMk cId="1465455981" sldId="261"/>
+            <ac:picMk id="3" creationId="{7FBA4EE5-5ADD-4A75-82EC-0423EDA0B5A3}"/>
+          </ac:picMkLst>
+        </pc:picChg>
+        <pc:picChg chg="add mod">
+          <ac:chgData name="JOSEPH LEE" userId="a44f2c12-3c6b-4dcf-9734-cf21ba793b98" providerId="ADAL" clId="{EA46388E-06E0-461B-AC3B-0A927C07D937}" dt="2021-01-02T14:06:08.358" v="68" actId="1076"/>
+          <ac:picMkLst>
+            <pc:docMk/>
+            <pc:sldMk cId="1465455981" sldId="261"/>
+            <ac:picMk id="6" creationId="{7DED04F9-2F35-417D-A2F4-3D2D2540C689}"/>
+          </ac:picMkLst>
+        </pc:picChg>
+        <pc:picChg chg="add mod">
+          <ac:chgData name="JOSEPH LEE" userId="a44f2c12-3c6b-4dcf-9734-cf21ba793b98" providerId="ADAL" clId="{EA46388E-06E0-461B-AC3B-0A927C07D937}" dt="2021-01-02T14:07:53.765" v="70" actId="1076"/>
+          <ac:picMkLst>
+            <pc:docMk/>
+            <pc:sldMk cId="1465455981" sldId="261"/>
+            <ac:picMk id="8" creationId="{8ADD9711-068F-4EF5-A2C8-256E66F1B03F}"/>
+          </ac:picMkLst>
+        </pc:picChg>
+        <pc:picChg chg="add mod">
+          <ac:chgData name="JOSEPH LEE" userId="a44f2c12-3c6b-4dcf-9734-cf21ba793b98" providerId="ADAL" clId="{EA46388E-06E0-461B-AC3B-0A927C07D937}" dt="2021-01-02T14:03:37.127" v="64" actId="1076"/>
+          <ac:picMkLst>
+            <pc:docMk/>
+            <pc:sldMk cId="1465455981" sldId="261"/>
+            <ac:picMk id="12" creationId="{9F41CBC0-73CF-4956-82FC-B40AE16F6C06}"/>
+          </ac:picMkLst>
+        </pc:picChg>
+        <pc:picChg chg="add mod">
+          <ac:chgData name="JOSEPH LEE" userId="a44f2c12-3c6b-4dcf-9734-cf21ba793b98" providerId="ADAL" clId="{EA46388E-06E0-461B-AC3B-0A927C07D937}" dt="2021-01-02T14:06:05.756" v="67" actId="14100"/>
+          <ac:picMkLst>
+            <pc:docMk/>
+            <pc:sldMk cId="1465455981" sldId="261"/>
+            <ac:picMk id="14" creationId="{EEBC362E-34DD-4824-BE42-CC59CB81364A}"/>
+          </ac:picMkLst>
+        </pc:picChg>
+      </pc:sldChg>
+      <pc:sldChg chg="add">
+        <pc:chgData name="JOSEPH LEE" userId="a44f2c12-3c6b-4dcf-9734-cf21ba793b98" providerId="ADAL" clId="{EA46388E-06E0-461B-AC3B-0A927C07D937}" dt="2021-01-02T16:10:06.240" v="73" actId="2890"/>
+        <pc:sldMkLst>
+          <pc:docMk/>
+          <pc:sldMk cId="32420978" sldId="262"/>
+        </pc:sldMkLst>
       </pc:sldChg>
     </pc:docChg>
   </pc:docChgLst>
@@ -3491,6 +3602,66 @@
           </a:prstGeom>
         </p:spPr>
       </p:pic>
+    </p:spTree>
+    <p:extLst>
+      <p:ext uri="{BB962C8B-B14F-4D97-AF65-F5344CB8AC3E}">
+        <p14:creationId xmlns:p14="http://schemas.microsoft.com/office/powerpoint/2010/main" val="1576029828"/>
+      </p:ext>
+    </p:extLst>
+  </p:cSld>
+  <p:clrMapOvr>
+    <a:masterClrMapping/>
+  </p:clrMapOvr>
+</p:sld>
+</file>
+
+<file path=ppt/slides/slide2.xml><?xml version="1.0" encoding="utf-8"?>
+<p:sld xmlns:a="http://schemas.openxmlformats.org/drawingml/2006/main" xmlns:r="http://schemas.openxmlformats.org/officeDocument/2006/relationships" xmlns:p="http://schemas.openxmlformats.org/presentationml/2006/main">
+  <p:cSld>
+    <p:spTree>
+      <p:nvGrpSpPr>
+        <p:cNvPr id="1" name=""/>
+        <p:cNvGrpSpPr/>
+        <p:nvPr/>
+      </p:nvGrpSpPr>
+      <p:grpSpPr>
+        <a:xfrm>
+          <a:off x="0" y="0"/>
+          <a:ext cx="0" cy="0"/>
+          <a:chOff x="0" y="0"/>
+          <a:chExt cx="0" cy="0"/>
+        </a:xfrm>
+      </p:grpSpPr>
+      <p:pic>
+        <p:nvPicPr>
+          <p:cNvPr id="5" name="Picture 4">
+            <a:extLst>
+              <a:ext uri="{FF2B5EF4-FFF2-40B4-BE49-F238E27FC236}">
+                <a16:creationId xmlns:a16="http://schemas.microsoft.com/office/drawing/2014/main" id="{7089A1EC-606F-4F85-8FA9-6660E2B9C130}"/>
+              </a:ext>
+            </a:extLst>
+          </p:cNvPr>
+          <p:cNvPicPr>
+            <a:picLocks noChangeAspect="1"/>
+          </p:cNvPicPr>
+          <p:nvPr/>
+        </p:nvPicPr>
+        <p:blipFill>
+          <a:blip r:embed="rId2"/>
+          <a:stretch>
+            <a:fillRect/>
+          </a:stretch>
+        </p:blipFill>
+        <p:spPr>
+          <a:xfrm>
+            <a:off x="1707503" y="215689"/>
+            <a:ext cx="8069910" cy="5908886"/>
+          </a:xfrm>
+          <a:prstGeom prst="rect">
+            <a:avLst/>
+          </a:prstGeom>
+        </p:spPr>
+      </p:pic>
       <p:sp>
         <p:nvSpPr>
           <p:cNvPr id="6" name="Rectangle 5">
@@ -3546,7 +3717,7 @@
     </p:spTree>
     <p:extLst>
       <p:ext uri="{BB962C8B-B14F-4D97-AF65-F5344CB8AC3E}">
-        <p14:creationId xmlns:p14="http://schemas.microsoft.com/office/powerpoint/2010/main" val="1576029828"/>
+        <p14:creationId xmlns:p14="http://schemas.microsoft.com/office/powerpoint/2010/main" val="32420978"/>
       </p:ext>
     </p:extLst>
   </p:cSld>
@@ -3556,7 +3727,7 @@
 </p:sld>
 </file>
 
-<file path=ppt/slides/slide2.xml><?xml version="1.0" encoding="utf-8"?>
+<file path=ppt/slides/slide3.xml><?xml version="1.0" encoding="utf-8"?>
 <p:sld xmlns:a="http://schemas.openxmlformats.org/drawingml/2006/main" xmlns:r="http://schemas.openxmlformats.org/officeDocument/2006/relationships" xmlns:p="http://schemas.openxmlformats.org/presentationml/2006/main">
   <p:cSld>
     <p:spTree>
@@ -3616,7 +3787,7 @@
 </p:sld>
 </file>
 
-<file path=ppt/slides/slide3.xml><?xml version="1.0" encoding="utf-8"?>
+<file path=ppt/slides/slide4.xml><?xml version="1.0" encoding="utf-8"?>
 <p:sld xmlns:a="http://schemas.openxmlformats.org/drawingml/2006/main" xmlns:r="http://schemas.openxmlformats.org/officeDocument/2006/relationships" xmlns:p="http://schemas.openxmlformats.org/presentationml/2006/main">
   <p:cSld>
     <p:spTree>
@@ -3676,7 +3847,7 @@
 </p:sld>
 </file>
 
-<file path=ppt/slides/slide4.xml><?xml version="1.0" encoding="utf-8"?>
+<file path=ppt/slides/slide5.xml><?xml version="1.0" encoding="utf-8"?>
 <p:sld xmlns:a="http://schemas.openxmlformats.org/drawingml/2006/main" xmlns:r="http://schemas.openxmlformats.org/officeDocument/2006/relationships" xmlns:p="http://schemas.openxmlformats.org/presentationml/2006/main">
   <p:cSld>
     <p:spTree>
@@ -3736,7 +3907,7 @@
 </p:sld>
 </file>
 
-<file path=ppt/slides/slide5.xml><?xml version="1.0" encoding="utf-8"?>
+<file path=ppt/slides/slide6.xml><?xml version="1.0" encoding="utf-8"?>
 <p:sld xmlns:a="http://schemas.openxmlformats.org/drawingml/2006/main" xmlns:r="http://schemas.openxmlformats.org/officeDocument/2006/relationships" xmlns:p="http://schemas.openxmlformats.org/presentationml/2006/main">
   <p:cSld>
     <p:spTree>
@@ -3787,6 +3958,238 @@
     <p:extLst>
       <p:ext uri="{BB962C8B-B14F-4D97-AF65-F5344CB8AC3E}">
         <p14:creationId xmlns:p14="http://schemas.microsoft.com/office/powerpoint/2010/main" val="2623758735"/>
+      </p:ext>
+    </p:extLst>
+  </p:cSld>
+  <p:clrMapOvr>
+    <a:masterClrMapping/>
+  </p:clrMapOvr>
+</p:sld>
+</file>
+
+<file path=ppt/slides/slide7.xml><?xml version="1.0" encoding="utf-8"?>
+<p:sld xmlns:a="http://schemas.openxmlformats.org/drawingml/2006/main" xmlns:r="http://schemas.openxmlformats.org/officeDocument/2006/relationships" xmlns:p="http://schemas.openxmlformats.org/presentationml/2006/main">
+  <p:cSld>
+    <p:spTree>
+      <p:nvGrpSpPr>
+        <p:cNvPr id="1" name=""/>
+        <p:cNvGrpSpPr/>
+        <p:nvPr/>
+      </p:nvGrpSpPr>
+      <p:grpSpPr>
+        <a:xfrm>
+          <a:off x="0" y="0"/>
+          <a:ext cx="0" cy="0"/>
+          <a:chOff x="0" y="0"/>
+          <a:chExt cx="0" cy="0"/>
+        </a:xfrm>
+      </p:grpSpPr>
+      <p:pic>
+        <p:nvPicPr>
+          <p:cNvPr id="6" name="Picture 5" descr="Chart, box and whisker chart&#10;&#10;Description automatically generated">
+            <a:extLst>
+              <a:ext uri="{FF2B5EF4-FFF2-40B4-BE49-F238E27FC236}">
+                <a16:creationId xmlns:a16="http://schemas.microsoft.com/office/drawing/2014/main" id="{7DED04F9-2F35-417D-A2F4-3D2D2540C689}"/>
+              </a:ext>
+            </a:extLst>
+          </p:cNvPr>
+          <p:cNvPicPr>
+            <a:picLocks noChangeAspect="1"/>
+          </p:cNvPicPr>
+          <p:nvPr/>
+        </p:nvPicPr>
+        <p:blipFill>
+          <a:blip r:embed="rId2">
+            <a:extLst>
+              <a:ext uri="{28A0092B-C50C-407E-A947-70E740481C1C}">
+                <a14:useLocalDpi xmlns:a14="http://schemas.microsoft.com/office/drawing/2010/main" val="0"/>
+              </a:ext>
+            </a:extLst>
+          </a:blip>
+          <a:stretch>
+            <a:fillRect/>
+          </a:stretch>
+        </p:blipFill>
+        <p:spPr>
+          <a:xfrm>
+            <a:off x="349908" y="1608127"/>
+            <a:ext cx="5239522" cy="3977648"/>
+          </a:xfrm>
+          <a:prstGeom prst="rect">
+            <a:avLst/>
+          </a:prstGeom>
+        </p:spPr>
+      </p:pic>
+      <p:pic>
+        <p:nvPicPr>
+          <p:cNvPr id="8" name="Picture 7" descr="Chart, box and whisker chart&#10;&#10;Description automatically generated">
+            <a:extLst>
+              <a:ext uri="{FF2B5EF4-FFF2-40B4-BE49-F238E27FC236}">
+                <a16:creationId xmlns:a16="http://schemas.microsoft.com/office/drawing/2014/main" id="{8ADD9711-068F-4EF5-A2C8-256E66F1B03F}"/>
+              </a:ext>
+            </a:extLst>
+          </p:cNvPr>
+          <p:cNvPicPr>
+            <a:picLocks noChangeAspect="1"/>
+          </p:cNvPicPr>
+          <p:nvPr/>
+        </p:nvPicPr>
+        <p:blipFill>
+          <a:blip r:embed="rId3">
+            <a:extLst>
+              <a:ext uri="{28A0092B-C50C-407E-A947-70E740481C1C}">
+                <a14:useLocalDpi xmlns:a14="http://schemas.microsoft.com/office/drawing/2010/main" val="0"/>
+              </a:ext>
+            </a:extLst>
+          </a:blip>
+          <a:stretch>
+            <a:fillRect/>
+          </a:stretch>
+        </p:blipFill>
+        <p:spPr>
+          <a:xfrm>
+            <a:off x="6287173" y="1608127"/>
+            <a:ext cx="5239522" cy="3977648"/>
+          </a:xfrm>
+          <a:prstGeom prst="rect">
+            <a:avLst/>
+          </a:prstGeom>
+        </p:spPr>
+      </p:pic>
+      <p:sp>
+        <p:nvSpPr>
+          <p:cNvPr id="9" name="TextBox 8">
+            <a:extLst>
+              <a:ext uri="{FF2B5EF4-FFF2-40B4-BE49-F238E27FC236}">
+                <a16:creationId xmlns:a16="http://schemas.microsoft.com/office/drawing/2014/main" id="{2EB3F2DD-A301-48F6-9466-B8504A9CC268}"/>
+              </a:ext>
+            </a:extLst>
+          </p:cNvPr>
+          <p:cNvSpPr txBox="1"/>
+          <p:nvPr/>
+        </p:nvSpPr>
+        <p:spPr>
+          <a:xfrm>
+            <a:off x="1961479" y="5692292"/>
+            <a:ext cx="2002471" cy="369332"/>
+          </a:xfrm>
+          <a:prstGeom prst="rect">
+            <a:avLst/>
+          </a:prstGeom>
+          <a:noFill/>
+        </p:spPr>
+        <p:txBody>
+          <a:bodyPr wrap="none" rtlCol="0">
+            <a:spAutoFit/>
+          </a:bodyPr>
+          <a:lstStyle/>
+          <a:p>
+            <a:r>
+              <a:rPr lang="en-GB" dirty="0"/>
+              <a:t>Median = 0.000710</a:t>
+            </a:r>
+          </a:p>
+        </p:txBody>
+      </p:sp>
+      <p:sp>
+        <p:nvSpPr>
+          <p:cNvPr id="10" name="TextBox 9">
+            <a:extLst>
+              <a:ext uri="{FF2B5EF4-FFF2-40B4-BE49-F238E27FC236}">
+                <a16:creationId xmlns:a16="http://schemas.microsoft.com/office/drawing/2014/main" id="{BCFAC3C5-C903-41B6-B166-EEF0EC57A96F}"/>
+              </a:ext>
+            </a:extLst>
+          </p:cNvPr>
+          <p:cNvSpPr txBox="1"/>
+          <p:nvPr/>
+        </p:nvSpPr>
+        <p:spPr>
+          <a:xfrm>
+            <a:off x="8321853" y="5692292"/>
+            <a:ext cx="2002471" cy="369332"/>
+          </a:xfrm>
+          <a:prstGeom prst="rect">
+            <a:avLst/>
+          </a:prstGeom>
+          <a:noFill/>
+        </p:spPr>
+        <p:txBody>
+          <a:bodyPr wrap="none" rtlCol="0">
+            <a:spAutoFit/>
+          </a:bodyPr>
+          <a:lstStyle/>
+          <a:p>
+            <a:r>
+              <a:rPr lang="en-GB" dirty="0"/>
+              <a:t>Median = 0.000831</a:t>
+            </a:r>
+          </a:p>
+        </p:txBody>
+      </p:sp>
+      <p:pic>
+        <p:nvPicPr>
+          <p:cNvPr id="12" name="Picture 11">
+            <a:extLst>
+              <a:ext uri="{FF2B5EF4-FFF2-40B4-BE49-F238E27FC236}">
+                <a16:creationId xmlns:a16="http://schemas.microsoft.com/office/drawing/2014/main" id="{9F41CBC0-73CF-4956-82FC-B40AE16F6C06}"/>
+              </a:ext>
+            </a:extLst>
+          </p:cNvPr>
+          <p:cNvPicPr>
+            <a:picLocks noChangeAspect="1"/>
+          </p:cNvPicPr>
+          <p:nvPr/>
+        </p:nvPicPr>
+        <p:blipFill>
+          <a:blip r:embed="rId4"/>
+          <a:stretch>
+            <a:fillRect/>
+          </a:stretch>
+        </p:blipFill>
+        <p:spPr>
+          <a:xfrm>
+            <a:off x="6804087" y="53458"/>
+            <a:ext cx="5038005" cy="1218767"/>
+          </a:xfrm>
+          <a:prstGeom prst="rect">
+            <a:avLst/>
+          </a:prstGeom>
+        </p:spPr>
+      </p:pic>
+      <p:pic>
+        <p:nvPicPr>
+          <p:cNvPr id="14" name="Picture 13">
+            <a:extLst>
+              <a:ext uri="{FF2B5EF4-FFF2-40B4-BE49-F238E27FC236}">
+                <a16:creationId xmlns:a16="http://schemas.microsoft.com/office/drawing/2014/main" id="{EEBC362E-34DD-4824-BE42-CC59CB81364A}"/>
+              </a:ext>
+            </a:extLst>
+          </p:cNvPr>
+          <p:cNvPicPr>
+            <a:picLocks noChangeAspect="1"/>
+          </p:cNvPicPr>
+          <p:nvPr/>
+        </p:nvPicPr>
+        <p:blipFill>
+          <a:blip r:embed="rId5"/>
+          <a:stretch>
+            <a:fillRect/>
+          </a:stretch>
+        </p:blipFill>
+        <p:spPr>
+          <a:xfrm>
+            <a:off x="247120" y="-15280"/>
+            <a:ext cx="5431191" cy="1405224"/>
+          </a:xfrm>
+          <a:prstGeom prst="rect">
+            <a:avLst/>
+          </a:prstGeom>
+        </p:spPr>
+      </p:pic>
+    </p:spTree>
+    <p:extLst>
+      <p:ext uri="{BB962C8B-B14F-4D97-AF65-F5344CB8AC3E}">
+        <p14:creationId xmlns:p14="http://schemas.microsoft.com/office/powerpoint/2010/main" val="1465455981"/>
       </p:ext>
     </p:extLst>
   </p:cSld>
